--- a/ppt/第15章    JupyterHub多用户配置.pptx
+++ b/ppt/第15章    JupyterHub多用户配置.pptx
@@ -212,7 +212,7 @@
           <a:p>
             <a:fld id="{11E263B4-AE17-4D25-AB44-4A86CEB2FD03}" type="datetimeFigureOut">
               <a:rPr lang="zh-CN" altLang="en-US" smtClean="0"/>
-              <a:t>2021/5/7</a:t>
+              <a:t>2021/6/29</a:t>
             </a:fld>
             <a:endParaRPr lang="zh-CN" altLang="en-US"/>
           </a:p>
@@ -1058,7 +1058,7 @@
             </a:pPr>
             <a:fld id="{967F5653-76E0-42F8-92E1-1302A644EA98}" type="datetimeFigureOut">
               <a:rPr lang="zh-CN" altLang="en-US" smtClean="0"/>
-              <a:t>2021/5/7</a:t>
+              <a:t>2021/6/29</a:t>
             </a:fld>
             <a:endParaRPr lang="zh-CN" altLang="en-US"/>
           </a:p>
@@ -1237,7 +1237,7 @@
             </a:pPr>
             <a:fld id="{7E97CAC6-3487-4B84-A527-4B0978F38CB7}" type="datetimeFigureOut">
               <a:rPr lang="zh-CN" altLang="en-US" smtClean="0"/>
-              <a:t>2021/5/7</a:t>
+              <a:t>2021/6/29</a:t>
             </a:fld>
             <a:endParaRPr lang="zh-CN" altLang="en-US"/>
           </a:p>
@@ -1426,7 +1426,7 @@
             </a:pPr>
             <a:fld id="{DC2173D4-66F5-42F3-8EDD-E9FCBD78934D}" type="datetimeFigureOut">
               <a:rPr lang="zh-CN" altLang="en-US" smtClean="0"/>
-              <a:t>2021/5/7</a:t>
+              <a:t>2021/6/29</a:t>
             </a:fld>
             <a:endParaRPr lang="zh-CN" altLang="en-US"/>
           </a:p>
@@ -2154,7 +2154,7 @@
             </a:pPr>
             <a:fld id="{4854B13A-C25E-4BD4-A182-EF99CDEA6C38}" type="datetimeFigureOut">
               <a:rPr lang="zh-CN" altLang="en-US" smtClean="0"/>
-              <a:t>2021/5/7</a:t>
+              <a:t>2021/6/29</a:t>
             </a:fld>
             <a:endParaRPr lang="zh-CN" altLang="en-US"/>
           </a:p>
@@ -2409,7 +2409,7 @@
             </a:pPr>
             <a:fld id="{6F874B35-2CB5-478A-93D6-6F5A758111CC}" type="datetimeFigureOut">
               <a:rPr lang="zh-CN" altLang="en-US" smtClean="0"/>
-              <a:t>2021/5/7</a:t>
+              <a:t>2021/6/29</a:t>
             </a:fld>
             <a:endParaRPr lang="zh-CN" altLang="en-US"/>
           </a:p>
@@ -2650,7 +2650,7 @@
             </a:pPr>
             <a:fld id="{7765F18A-B9DB-4EC7-B8DD-93BAD9A9D6F4}" type="datetimeFigureOut">
               <a:rPr lang="zh-CN" altLang="en-US" smtClean="0"/>
-              <a:t>2021/5/7</a:t>
+              <a:t>2021/6/29</a:t>
             </a:fld>
             <a:endParaRPr lang="zh-CN" altLang="en-US"/>
           </a:p>
@@ -3026,7 +3026,7 @@
             </a:pPr>
             <a:fld id="{BDDAE942-DEDF-46C5-8F0D-85A73406F10B}" type="datetimeFigureOut">
               <a:rPr lang="zh-CN" altLang="en-US" smtClean="0"/>
-              <a:t>2021/5/7</a:t>
+              <a:t>2021/6/29</a:t>
             </a:fld>
             <a:endParaRPr lang="zh-CN" altLang="en-US"/>
           </a:p>
@@ -3153,7 +3153,7 @@
             </a:pPr>
             <a:fld id="{700EFE5F-2A43-4D9F-9B11-909316E3C1C9}" type="datetimeFigureOut">
               <a:rPr lang="zh-CN" altLang="en-US" smtClean="0"/>
-              <a:t>2021/5/7</a:t>
+              <a:t>2021/6/29</a:t>
             </a:fld>
             <a:endParaRPr lang="zh-CN" altLang="en-US"/>
           </a:p>
@@ -3257,7 +3257,7 @@
             </a:pPr>
             <a:fld id="{76D8482B-9714-4ADC-BDF6-AB1BEB5DA2D8}" type="datetimeFigureOut">
               <a:rPr lang="zh-CN" altLang="en-US" smtClean="0"/>
-              <a:t>2021/5/7</a:t>
+              <a:t>2021/6/29</a:t>
             </a:fld>
             <a:endParaRPr lang="zh-CN" altLang="en-US"/>
           </a:p>
@@ -3543,7 +3543,7 @@
             </a:pPr>
             <a:fld id="{8C921D7F-B211-4655-91B5-D6DC942F7F91}" type="datetimeFigureOut">
               <a:rPr lang="zh-CN" altLang="en-US" smtClean="0"/>
-              <a:t>2021/5/7</a:t>
+              <a:t>2021/6/29</a:t>
             </a:fld>
             <a:endParaRPr lang="zh-CN" altLang="en-US"/>
           </a:p>
@@ -3809,7 +3809,7 @@
             </a:pPr>
             <a:fld id="{8C7D0A83-28AD-47D5-961B-D3CDE6CF1ABC}" type="datetimeFigureOut">
               <a:rPr lang="zh-CN" altLang="en-US" smtClean="0"/>
-              <a:t>2021/5/7</a:t>
+              <a:t>2021/6/29</a:t>
             </a:fld>
             <a:endParaRPr lang="zh-CN" altLang="en-US"/>
           </a:p>
@@ -4031,7 +4031,7 @@
             </a:pPr>
             <a:fld id="{C5DA89F0-6659-4D88-AC57-367E293871F8}" type="datetimeFigureOut">
               <a:rPr lang="zh-CN" altLang="en-US" smtClean="0"/>
-              <a:t>2021/5/7</a:t>
+              <a:t>2021/6/29</a:t>
             </a:fld>
             <a:endParaRPr lang="zh-CN" altLang="en-US"/>
           </a:p>
@@ -6919,7 +6919,7 @@
                 <a:ea typeface="方正书宋简体"/>
                 <a:cs typeface="Times New Roman" panose="02020603050405020304" pitchFamily="18" charset="0"/>
               </a:rPr>
-              <a:t>安装过程较复杂，详细步骤见书本第十四章。</a:t>
+              <a:t>安装过程较复杂，详细步骤见书本第十五章。</a:t>
             </a:r>
           </a:p>
         </p:txBody>
